--- a/ppt/Souradeep Bera Intern Presentation.pptx
+++ b/ppt/Souradeep Bera Intern Presentation.pptx
@@ -3051,7 +3051,7 @@
   <p:cSld>
     <p:spTree>
       <p:nvGrpSpPr>
-        <p:cNvPr id="447" name="Shape 447"/>
+        <p:cNvPr id="446" name="Shape 446"/>
         <p:cNvGrpSpPr/>
         <p:nvPr/>
       </p:nvGrpSpPr>
@@ -3065,7 +3065,7 @@
       </p:grpSpPr>
       <p:sp>
         <p:nvSpPr>
-          <p:cNvPr id="448" name="Google Shape;448;g13ab3f292c3_0_276:notes"/>
+          <p:cNvPr id="447" name="Google Shape;447;g13ab3f292c3_0_276:notes"/>
           <p:cNvSpPr txBox="1"/>
           <p:nvPr>
             <p:ph idx="1" type="body"/>
@@ -3112,7 +3112,7 @@
       </p:sp>
       <p:sp>
         <p:nvSpPr>
-          <p:cNvPr id="449" name="Google Shape;449;g13ab3f292c3_0_276:notes"/>
+          <p:cNvPr id="448" name="Google Shape;448;g13ab3f292c3_0_276:notes"/>
           <p:cNvSpPr/>
           <p:nvPr>
             <p:ph idx="2" type="sldImg"/>
@@ -3285,7 +3285,7 @@
   <p:cSld>
     <p:spTree>
       <p:nvGrpSpPr>
-        <p:cNvPr id="453" name="Shape 453"/>
+        <p:cNvPr id="452" name="Shape 452"/>
         <p:cNvGrpSpPr/>
         <p:nvPr/>
       </p:nvGrpSpPr>
@@ -3299,7 +3299,7 @@
       </p:grpSpPr>
       <p:sp>
         <p:nvSpPr>
-          <p:cNvPr id="454" name="Google Shape;454;g13ab3f292c3_0_280:notes"/>
+          <p:cNvPr id="453" name="Google Shape;453;g13ab3f292c3_0_280:notes"/>
           <p:cNvSpPr txBox="1"/>
           <p:nvPr>
             <p:ph idx="1" type="body"/>
@@ -3346,7 +3346,7 @@
       </p:sp>
       <p:sp>
         <p:nvSpPr>
-          <p:cNvPr id="455" name="Google Shape;455;g13ab3f292c3_0_280:notes"/>
+          <p:cNvPr id="454" name="Google Shape;454;g13ab3f292c3_0_280:notes"/>
           <p:cNvSpPr/>
           <p:nvPr>
             <p:ph idx="2" type="sldImg"/>
@@ -3402,7 +3402,7 @@
   <p:cSld>
     <p:spTree>
       <p:nvGrpSpPr>
-        <p:cNvPr id="465" name="Shape 465"/>
+        <p:cNvPr id="464" name="Shape 464"/>
         <p:cNvGrpSpPr/>
         <p:nvPr/>
       </p:nvGrpSpPr>
@@ -3416,7 +3416,7 @@
       </p:grpSpPr>
       <p:sp>
         <p:nvSpPr>
-          <p:cNvPr id="466" name="Google Shape;466;g13ab3f292c3_1_11:notes"/>
+          <p:cNvPr id="465" name="Google Shape;465;g13ab3f292c3_1_11:notes"/>
           <p:cNvSpPr txBox="1"/>
           <p:nvPr>
             <p:ph idx="1" type="body"/>
@@ -3463,7 +3463,7 @@
       </p:sp>
       <p:sp>
         <p:nvSpPr>
-          <p:cNvPr id="467" name="Google Shape;467;g13ab3f292c3_1_11:notes"/>
+          <p:cNvPr id="466" name="Google Shape;466;g13ab3f292c3_1_11:notes"/>
           <p:cNvSpPr/>
           <p:nvPr>
             <p:ph idx="2" type="sldImg"/>
@@ -3519,7 +3519,7 @@
   <p:cSld>
     <p:spTree>
       <p:nvGrpSpPr>
-        <p:cNvPr id="471" name="Shape 471"/>
+        <p:cNvPr id="470" name="Shape 470"/>
         <p:cNvGrpSpPr/>
         <p:nvPr/>
       </p:nvGrpSpPr>
@@ -3533,7 +3533,7 @@
       </p:grpSpPr>
       <p:sp>
         <p:nvSpPr>
-          <p:cNvPr id="472" name="Google Shape;472;g13ab3f292c3_1_50:notes"/>
+          <p:cNvPr id="471" name="Google Shape;471;g13ab3f292c3_1_50:notes"/>
           <p:cNvSpPr txBox="1"/>
           <p:nvPr>
             <p:ph idx="1" type="body"/>
@@ -3580,7 +3580,7 @@
       </p:sp>
       <p:sp>
         <p:nvSpPr>
-          <p:cNvPr id="473" name="Google Shape;473;g13ab3f292c3_1_50:notes"/>
+          <p:cNvPr id="472" name="Google Shape;472;g13ab3f292c3_1_50:notes"/>
           <p:cNvSpPr/>
           <p:nvPr>
             <p:ph idx="2" type="sldImg"/>
@@ -3636,7 +3636,7 @@
   <p:cSld>
     <p:spTree>
       <p:nvGrpSpPr>
-        <p:cNvPr id="478" name="Shape 478"/>
+        <p:cNvPr id="477" name="Shape 477"/>
         <p:cNvGrpSpPr/>
         <p:nvPr/>
       </p:nvGrpSpPr>
@@ -3650,7 +3650,7 @@
       </p:grpSpPr>
       <p:sp>
         <p:nvSpPr>
-          <p:cNvPr id="479" name="Google Shape;479;g13b174e950d_0_0:notes"/>
+          <p:cNvPr id="478" name="Google Shape;478;g13b174e950d_0_0:notes"/>
           <p:cNvSpPr txBox="1"/>
           <p:nvPr>
             <p:ph idx="1" type="body"/>
@@ -3697,7 +3697,7 @@
       </p:sp>
       <p:sp>
         <p:nvSpPr>
-          <p:cNvPr id="480" name="Google Shape;480;g13b174e950d_0_0:notes"/>
+          <p:cNvPr id="479" name="Google Shape;479;g13b174e950d_0_0:notes"/>
           <p:cNvSpPr/>
           <p:nvPr>
             <p:ph idx="2" type="sldImg"/>
@@ -3753,7 +3753,7 @@
   <p:cSld>
     <p:spTree>
       <p:nvGrpSpPr>
-        <p:cNvPr id="485" name="Shape 485"/>
+        <p:cNvPr id="484" name="Shape 484"/>
         <p:cNvGrpSpPr/>
         <p:nvPr/>
       </p:nvGrpSpPr>
@@ -3767,7 +3767,7 @@
       </p:grpSpPr>
       <p:sp>
         <p:nvSpPr>
-          <p:cNvPr id="486" name="Google Shape;486;g13b174e950d_0_10:notes"/>
+          <p:cNvPr id="485" name="Google Shape;485;g13b174e950d_0_10:notes"/>
           <p:cNvSpPr txBox="1"/>
           <p:nvPr>
             <p:ph idx="1" type="body"/>
@@ -3806,7 +3806,7 @@
       </p:sp>
       <p:sp>
         <p:nvSpPr>
-          <p:cNvPr id="487" name="Google Shape;487;g13b174e950d_0_10:notes"/>
+          <p:cNvPr id="486" name="Google Shape;486;g13b174e950d_0_10:notes"/>
           <p:cNvSpPr/>
           <p:nvPr>
             <p:ph idx="2" type="sldImg"/>
@@ -3852,7 +3852,7 @@
   <p:cSld>
     <p:spTree>
       <p:nvGrpSpPr>
-        <p:cNvPr id="494" name="Shape 494"/>
+        <p:cNvPr id="493" name="Shape 493"/>
         <p:cNvGrpSpPr/>
         <p:nvPr/>
       </p:nvGrpSpPr>
@@ -3866,7 +3866,7 @@
       </p:grpSpPr>
       <p:sp>
         <p:nvSpPr>
-          <p:cNvPr id="495" name="Google Shape;495;g13b174e950d_0_210:notes"/>
+          <p:cNvPr id="494" name="Google Shape;494;g13b174e950d_0_210:notes"/>
           <p:cNvSpPr/>
           <p:nvPr>
             <p:ph idx="2" type="sldImg"/>
@@ -3901,7 +3901,7 @@
       </p:sp>
       <p:sp>
         <p:nvSpPr>
-          <p:cNvPr id="496" name="Google Shape;496;g13b174e950d_0_210:notes"/>
+          <p:cNvPr id="495" name="Google Shape;495;g13b174e950d_0_210:notes"/>
           <p:cNvSpPr txBox="1"/>
           <p:nvPr>
             <p:ph idx="1" type="body"/>
@@ -3940,7 +3940,7 @@
       </p:sp>
       <p:sp>
         <p:nvSpPr>
-          <p:cNvPr id="497" name="Google Shape;497;g13b174e950d_0_210:notes"/>
+          <p:cNvPr id="496" name="Google Shape;496;g13b174e950d_0_210:notes"/>
           <p:cNvSpPr txBox="1"/>
           <p:nvPr>
             <p:ph idx="12" type="sldNum"/>
@@ -3996,7 +3996,7 @@
   <p:cSld>
     <p:spTree>
       <p:nvGrpSpPr>
-        <p:cNvPr id="503" name="Shape 503"/>
+        <p:cNvPr id="502" name="Shape 502"/>
         <p:cNvGrpSpPr/>
         <p:nvPr/>
       </p:nvGrpSpPr>
@@ -4010,7 +4010,7 @@
       </p:grpSpPr>
       <p:sp>
         <p:nvSpPr>
-          <p:cNvPr id="504" name="Google Shape;504;g13b326bf181_0_0:notes"/>
+          <p:cNvPr id="503" name="Google Shape;503;g13b326bf181_0_0:notes"/>
           <p:cNvSpPr txBox="1"/>
           <p:nvPr>
             <p:ph idx="1" type="body"/>
@@ -4057,7 +4057,7 @@
       </p:sp>
       <p:sp>
         <p:nvSpPr>
-          <p:cNvPr id="505" name="Google Shape;505;g13b326bf181_0_0:notes"/>
+          <p:cNvPr id="504" name="Google Shape;504;g13b326bf181_0_0:notes"/>
           <p:cNvSpPr/>
           <p:nvPr>
             <p:ph idx="2" type="sldImg"/>
@@ -4113,7 +4113,7 @@
   <p:cSld>
     <p:spTree>
       <p:nvGrpSpPr>
-        <p:cNvPr id="511" name="Shape 511"/>
+        <p:cNvPr id="510" name="Shape 510"/>
         <p:cNvGrpSpPr/>
         <p:nvPr/>
       </p:nvGrpSpPr>
@@ -4127,7 +4127,7 @@
       </p:grpSpPr>
       <p:sp>
         <p:nvSpPr>
-          <p:cNvPr id="512" name="Google Shape;512;g13ab3f292c3_1_24:notes"/>
+          <p:cNvPr id="511" name="Google Shape;511;g13ab3f292c3_1_24:notes"/>
           <p:cNvSpPr txBox="1"/>
           <p:nvPr>
             <p:ph idx="1" type="body"/>
@@ -4174,7 +4174,7 @@
       </p:sp>
       <p:sp>
         <p:nvSpPr>
-          <p:cNvPr id="513" name="Google Shape;513;g13ab3f292c3_1_24:notes"/>
+          <p:cNvPr id="512" name="Google Shape;512;g13ab3f292c3_1_24:notes"/>
           <p:cNvSpPr/>
           <p:nvPr>
             <p:ph idx="2" type="sldImg"/>
@@ -28927,27 +28927,7 @@
             </a:pPr>
             <a:r>
               <a:rPr lang="en-US" sz="1500"/>
-              <a:t>It just adds a new subregistry, "SIP Transport", to the  "Session Initiation Protocol (SIP) Parameters" registry.</a:t>
-            </a:r>
-            <a:endParaRPr sz="1500"/>
-          </a:p>
-          <a:p>
-            <a:pPr indent="-239709" lvl="1" marL="465137" rtl="0" algn="l">
-              <a:lnSpc>
-                <a:spcPct val="100000"/>
-              </a:lnSpc>
-              <a:spcBef>
-                <a:spcPts val="575"/>
-              </a:spcBef>
-              <a:spcAft>
-                <a:spcPts val="0"/>
-              </a:spcAft>
-              <a:buSzPts val="1500"/>
-              <a:buChar char="•"/>
-            </a:pPr>
-            <a:r>
-              <a:rPr lang="en-US" sz="1500"/>
-              <a:t>Just switch transport modes from ws/wss to udp</a:t>
+              <a:t>JsSIP uses the SIP over WebSocket transport for sending and receiving SIP requests and responses, and thus, it requires a SIP proxy/server with WebSocket support.</a:t>
             </a:r>
             <a:endParaRPr sz="1500"/>
           </a:p>
@@ -29049,58 +29029,6 @@
       <p:sp>
         <p:nvSpPr>
           <p:cNvPr id="445" name="Google Shape;445;p51"/>
-          <p:cNvSpPr/>
-          <p:nvPr/>
-        </p:nvSpPr>
-        <p:spPr>
-          <a:xfrm>
-            <a:off x="6048475" y="2646200"/>
-            <a:ext cx="229200" cy="401100"/>
-          </a:xfrm>
-          <a:prstGeom prst="downArrow">
-            <a:avLst>
-              <a:gd fmla="val 50000" name="adj1"/>
-              <a:gd fmla="val 50000" name="adj2"/>
-            </a:avLst>
-          </a:prstGeom>
-          <a:solidFill>
-            <a:schemeClr val="lt2"/>
-          </a:solidFill>
-          <a:ln cap="flat" cmpd="sng" w="9525">
-            <a:solidFill>
-              <a:schemeClr val="dk2"/>
-            </a:solidFill>
-            <a:prstDash val="solid"/>
-            <a:round/>
-            <a:headEnd len="sm" w="sm" type="none"/>
-            <a:tailEnd len="sm" w="sm" type="none"/>
-          </a:ln>
-        </p:spPr>
-        <p:txBody>
-          <a:bodyPr anchorCtr="0" anchor="ctr" bIns="91425" lIns="91425" spcFirstLastPara="1" rIns="91425" wrap="square" tIns="91425">
-            <a:noAutofit/>
-          </a:bodyPr>
-          <a:lstStyle/>
-          <a:p>
-            <a:pPr indent="0" lvl="0" marL="0" rtl="0" algn="l">
-              <a:spcBef>
-                <a:spcPts val="0"/>
-              </a:spcBef>
-              <a:spcAft>
-                <a:spcPts val="0"/>
-              </a:spcAft>
-              <a:buNone/>
-            </a:pPr>
-            <a:r>
-              <a:t/>
-            </a:r>
-            <a:endParaRPr/>
-          </a:p>
-        </p:txBody>
-      </p:sp>
-      <p:sp>
-        <p:nvSpPr>
-          <p:cNvPr id="446" name="Google Shape;446;p51"/>
           <p:cNvSpPr txBox="1"/>
           <p:nvPr/>
         </p:nvSpPr>
@@ -29177,7 +29105,7 @@
   <p:cSld>
     <p:spTree>
       <p:nvGrpSpPr>
-        <p:cNvPr id="450" name="Shape 450"/>
+        <p:cNvPr id="449" name="Shape 449"/>
         <p:cNvGrpSpPr/>
         <p:nvPr/>
       </p:nvGrpSpPr>
@@ -29191,7 +29119,7 @@
       </p:grpSpPr>
       <p:sp>
         <p:nvSpPr>
-          <p:cNvPr id="451" name="Google Shape;451;p52"/>
+          <p:cNvPr id="450" name="Google Shape;450;p52"/>
           <p:cNvSpPr txBox="1"/>
           <p:nvPr>
             <p:ph type="ctrTitle"/>
@@ -29243,7 +29171,7 @@
       </p:sp>
       <p:sp>
         <p:nvSpPr>
-          <p:cNvPr id="452" name="Google Shape;452;p52"/>
+          <p:cNvPr id="451" name="Google Shape;451;p52"/>
           <p:cNvSpPr txBox="1"/>
           <p:nvPr/>
         </p:nvSpPr>
@@ -30258,7 +30186,7 @@
   <p:cSld>
     <p:spTree>
       <p:nvGrpSpPr>
-        <p:cNvPr id="456" name="Shape 456"/>
+        <p:cNvPr id="455" name="Shape 455"/>
         <p:cNvGrpSpPr/>
         <p:nvPr/>
       </p:nvGrpSpPr>
@@ -30272,7 +30200,7 @@
       </p:grpSpPr>
       <p:sp>
         <p:nvSpPr>
-          <p:cNvPr id="457" name="Google Shape;457;p53"/>
+          <p:cNvPr id="456" name="Google Shape;456;p53"/>
           <p:cNvSpPr txBox="1"/>
           <p:nvPr>
             <p:ph type="title"/>
@@ -30324,7 +30252,7 @@
       </p:sp>
       <p:sp>
         <p:nvSpPr>
-          <p:cNvPr id="458" name="Google Shape;458;p53"/>
+          <p:cNvPr id="457" name="Google Shape;457;p53"/>
           <p:cNvSpPr txBox="1"/>
           <p:nvPr>
             <p:ph idx="1" type="body"/>
@@ -30411,7 +30339,7 @@
       </p:sp>
       <p:pic>
         <p:nvPicPr>
-          <p:cNvPr id="459" name="Google Shape;459;p53"/>
+          <p:cNvPr id="458" name="Google Shape;458;p53"/>
           <p:cNvPicPr preferRelativeResize="0"/>
           <p:nvPr>
             <p:ph idx="2" type="pic"/>
@@ -30442,7 +30370,7 @@
       </p:pic>
       <p:pic>
         <p:nvPicPr>
-          <p:cNvPr id="460" name="Google Shape;460;p53"/>
+          <p:cNvPr id="459" name="Google Shape;459;p53"/>
           <p:cNvPicPr preferRelativeResize="0"/>
           <p:nvPr>
             <p:ph idx="3" type="pic"/>
@@ -30473,7 +30401,7 @@
       </p:pic>
       <p:pic>
         <p:nvPicPr>
-          <p:cNvPr id="461" name="Google Shape;461;p53"/>
+          <p:cNvPr id="460" name="Google Shape;460;p53"/>
           <p:cNvPicPr preferRelativeResize="0"/>
           <p:nvPr>
             <p:ph idx="4" type="pic"/>
@@ -30504,7 +30432,7 @@
       </p:pic>
       <p:sp>
         <p:nvSpPr>
-          <p:cNvPr id="462" name="Google Shape;462;p53"/>
+          <p:cNvPr id="461" name="Google Shape;461;p53"/>
           <p:cNvSpPr txBox="1"/>
           <p:nvPr>
             <p:ph idx="5" type="body"/>
@@ -30591,7 +30519,7 @@
       </p:sp>
       <p:sp>
         <p:nvSpPr>
-          <p:cNvPr id="463" name="Google Shape;463;p53"/>
+          <p:cNvPr id="462" name="Google Shape;462;p53"/>
           <p:cNvSpPr txBox="1"/>
           <p:nvPr>
             <p:ph idx="6" type="body"/>
@@ -30678,7 +30606,7 @@
       </p:sp>
       <p:sp>
         <p:nvSpPr>
-          <p:cNvPr id="464" name="Google Shape;464;p53"/>
+          <p:cNvPr id="463" name="Google Shape;463;p53"/>
           <p:cNvSpPr txBox="1"/>
           <p:nvPr/>
         </p:nvSpPr>
@@ -30755,7 +30683,7 @@
   <p:cSld>
     <p:spTree>
       <p:nvGrpSpPr>
-        <p:cNvPr id="468" name="Shape 468"/>
+        <p:cNvPr id="467" name="Shape 467"/>
         <p:cNvGrpSpPr/>
         <p:nvPr/>
       </p:nvGrpSpPr>
@@ -30769,7 +30697,7 @@
       </p:grpSpPr>
       <p:sp>
         <p:nvSpPr>
-          <p:cNvPr id="469" name="Google Shape;469;p54"/>
+          <p:cNvPr id="468" name="Google Shape;468;p54"/>
           <p:cNvSpPr txBox="1"/>
           <p:nvPr>
             <p:ph type="ctrTitle"/>
@@ -30821,7 +30749,7 @@
       </p:sp>
       <p:sp>
         <p:nvSpPr>
-          <p:cNvPr id="470" name="Google Shape;470;p54"/>
+          <p:cNvPr id="469" name="Google Shape;469;p54"/>
           <p:cNvSpPr txBox="1"/>
           <p:nvPr/>
         </p:nvSpPr>
@@ -30898,7 +30826,7 @@
   <p:cSld>
     <p:spTree>
       <p:nvGrpSpPr>
-        <p:cNvPr id="474" name="Shape 474"/>
+        <p:cNvPr id="473" name="Shape 473"/>
         <p:cNvGrpSpPr/>
         <p:nvPr/>
       </p:nvGrpSpPr>
@@ -30912,7 +30840,7 @@
       </p:grpSpPr>
       <p:sp>
         <p:nvSpPr>
-          <p:cNvPr id="475" name="Google Shape;475;p55"/>
+          <p:cNvPr id="474" name="Google Shape;474;p55"/>
           <p:cNvSpPr txBox="1"/>
           <p:nvPr>
             <p:ph idx="1" type="body"/>
@@ -31077,7 +31005,7 @@
       </p:sp>
       <p:sp>
         <p:nvSpPr>
-          <p:cNvPr id="476" name="Google Shape;476;p55"/>
+          <p:cNvPr id="475" name="Google Shape;475;p55"/>
           <p:cNvSpPr txBox="1"/>
           <p:nvPr>
             <p:ph type="title"/>
@@ -31129,7 +31057,7 @@
       </p:sp>
       <p:sp>
         <p:nvSpPr>
-          <p:cNvPr id="477" name="Google Shape;477;p55"/>
+          <p:cNvPr id="476" name="Google Shape;476;p55"/>
           <p:cNvSpPr txBox="1"/>
           <p:nvPr/>
         </p:nvSpPr>
@@ -31206,7 +31134,7 @@
   <p:cSld>
     <p:spTree>
       <p:nvGrpSpPr>
-        <p:cNvPr id="481" name="Shape 481"/>
+        <p:cNvPr id="480" name="Shape 480"/>
         <p:cNvGrpSpPr/>
         <p:nvPr/>
       </p:nvGrpSpPr>
@@ -31220,7 +31148,7 @@
       </p:grpSpPr>
       <p:sp>
         <p:nvSpPr>
-          <p:cNvPr id="482" name="Google Shape;482;p56"/>
+          <p:cNvPr id="481" name="Google Shape;481;p56"/>
           <p:cNvSpPr txBox="1"/>
           <p:nvPr>
             <p:ph type="ctrTitle"/>
@@ -31272,7 +31200,7 @@
       </p:sp>
       <p:sp>
         <p:nvSpPr>
-          <p:cNvPr id="483" name="Google Shape;483;p56"/>
+          <p:cNvPr id="482" name="Google Shape;482;p56"/>
           <p:cNvSpPr txBox="1"/>
           <p:nvPr/>
         </p:nvSpPr>
@@ -31338,7 +31266,7 @@
       </p:sp>
       <p:sp>
         <p:nvSpPr>
-          <p:cNvPr id="484" name="Google Shape;484;p56"/>
+          <p:cNvPr id="483" name="Google Shape;483;p56"/>
           <p:cNvSpPr txBox="1"/>
           <p:nvPr/>
         </p:nvSpPr>
@@ -31415,7 +31343,7 @@
   <p:cSld>
     <p:spTree>
       <p:nvGrpSpPr>
-        <p:cNvPr id="488" name="Shape 488"/>
+        <p:cNvPr id="487" name="Shape 487"/>
         <p:cNvGrpSpPr/>
         <p:nvPr/>
       </p:nvGrpSpPr>
@@ -31429,7 +31357,7 @@
       </p:grpSpPr>
       <p:sp>
         <p:nvSpPr>
-          <p:cNvPr id="489" name="Google Shape;489;p57"/>
+          <p:cNvPr id="488" name="Google Shape;488;p57"/>
           <p:cNvSpPr txBox="1"/>
           <p:nvPr>
             <p:ph idx="4294967295" type="body"/>
@@ -31640,7 +31568,7 @@
       </p:sp>
       <p:sp>
         <p:nvSpPr>
-          <p:cNvPr id="490" name="Google Shape;490;p57"/>
+          <p:cNvPr id="489" name="Google Shape;489;p57"/>
           <p:cNvSpPr txBox="1"/>
           <p:nvPr>
             <p:ph type="title"/>
@@ -31692,7 +31620,7 @@
       </p:sp>
       <p:sp>
         <p:nvSpPr>
-          <p:cNvPr id="491" name="Google Shape;491;p57"/>
+          <p:cNvPr id="490" name="Google Shape;490;p57"/>
           <p:cNvSpPr txBox="1"/>
           <p:nvPr>
             <p:ph idx="4294967295" type="body"/>
@@ -31748,7 +31676,7 @@
       </p:sp>
       <p:sp>
         <p:nvSpPr>
-          <p:cNvPr id="492" name="Google Shape;492;p57"/>
+          <p:cNvPr id="491" name="Google Shape;491;p57"/>
           <p:cNvSpPr txBox="1"/>
           <p:nvPr/>
         </p:nvSpPr>
@@ -31822,7 +31750,7 @@
       </p:sp>
       <p:sp>
         <p:nvSpPr>
-          <p:cNvPr id="493" name="Google Shape;493;p57"/>
+          <p:cNvPr id="492" name="Google Shape;492;p57"/>
           <p:cNvSpPr txBox="1"/>
           <p:nvPr/>
         </p:nvSpPr>
@@ -31899,7 +31827,7 @@
   <p:cSld>
     <p:spTree>
       <p:nvGrpSpPr>
-        <p:cNvPr id="498" name="Shape 498"/>
+        <p:cNvPr id="497" name="Shape 497"/>
         <p:cNvGrpSpPr/>
         <p:nvPr/>
       </p:nvGrpSpPr>
@@ -31913,7 +31841,7 @@
       </p:grpSpPr>
       <p:sp>
         <p:nvSpPr>
-          <p:cNvPr id="499" name="Google Shape;499;p58"/>
+          <p:cNvPr id="498" name="Google Shape;498;p58"/>
           <p:cNvSpPr txBox="1"/>
           <p:nvPr>
             <p:ph type="title"/>
@@ -31953,7 +31881,7 @@
       </p:sp>
       <p:sp>
         <p:nvSpPr>
-          <p:cNvPr id="500" name="Google Shape;500;p58"/>
+          <p:cNvPr id="499" name="Google Shape;499;p58"/>
           <p:cNvSpPr txBox="1"/>
           <p:nvPr>
             <p:ph idx="4294967295" type="body"/>
@@ -32017,7 +31945,7 @@
       </p:sp>
       <p:sp>
         <p:nvSpPr>
-          <p:cNvPr id="501" name="Google Shape;501;p58"/>
+          <p:cNvPr id="500" name="Google Shape;500;p58"/>
           <p:cNvSpPr txBox="1"/>
           <p:nvPr>
             <p:ph idx="4294967295" type="body"/>
@@ -32144,7 +32072,7 @@
       </p:sp>
       <p:pic>
         <p:nvPicPr>
-          <p:cNvPr id="502" name="Google Shape;502;p58"/>
+          <p:cNvPr id="501" name="Google Shape;501;p58"/>
           <p:cNvPicPr preferRelativeResize="0"/>
           <p:nvPr/>
         </p:nvPicPr>
@@ -32182,7 +32110,7 @@
   <p:cSld>
     <p:spTree>
       <p:nvGrpSpPr>
-        <p:cNvPr id="506" name="Shape 506"/>
+        <p:cNvPr id="505" name="Shape 505"/>
         <p:cNvGrpSpPr/>
         <p:nvPr/>
       </p:nvGrpSpPr>
@@ -32196,7 +32124,7 @@
       </p:grpSpPr>
       <p:pic>
         <p:nvPicPr>
-          <p:cNvPr descr="A starry night sky over a snowy landscape&#10;&#10;Description automatically generated with low confidence" id="507" name="Google Shape;507;p59"/>
+          <p:cNvPr descr="A starry night sky over a snowy landscape&#10;&#10;Description automatically generated with low confidence" id="506" name="Google Shape;506;p59"/>
           <p:cNvPicPr preferRelativeResize="0"/>
           <p:nvPr>
             <p:ph idx="2" type="pic"/>
@@ -32227,7 +32155,7 @@
       </p:pic>
       <p:sp>
         <p:nvSpPr>
-          <p:cNvPr id="508" name="Google Shape;508;p59"/>
+          <p:cNvPr id="507" name="Google Shape;507;p59"/>
           <p:cNvSpPr txBox="1"/>
           <p:nvPr>
             <p:ph idx="1" type="body"/>
@@ -32277,7 +32205,7 @@
       </p:sp>
       <p:sp>
         <p:nvSpPr>
-          <p:cNvPr id="509" name="Google Shape;509;p59"/>
+          <p:cNvPr id="508" name="Google Shape;508;p59"/>
           <p:cNvSpPr txBox="1"/>
           <p:nvPr>
             <p:ph idx="3" type="body"/>
@@ -32331,7 +32259,7 @@
       </p:sp>
       <p:sp>
         <p:nvSpPr>
-          <p:cNvPr id="510" name="Google Shape;510;p59"/>
+          <p:cNvPr id="509" name="Google Shape;509;p59"/>
           <p:cNvSpPr txBox="1"/>
           <p:nvPr/>
         </p:nvSpPr>
@@ -32408,7 +32336,7 @@
   <p:cSld>
     <p:spTree>
       <p:nvGrpSpPr>
-        <p:cNvPr id="514" name="Shape 514"/>
+        <p:cNvPr id="513" name="Shape 513"/>
         <p:cNvGrpSpPr/>
         <p:nvPr/>
       </p:nvGrpSpPr>
@@ -32422,7 +32350,7 @@
       </p:grpSpPr>
       <p:sp>
         <p:nvSpPr>
-          <p:cNvPr id="515" name="Google Shape;515;p60"/>
+          <p:cNvPr id="514" name="Google Shape;514;p60"/>
           <p:cNvSpPr txBox="1"/>
           <p:nvPr>
             <p:ph type="ctrTitle"/>
@@ -32474,7 +32402,7 @@
       </p:sp>
       <p:sp>
         <p:nvSpPr>
-          <p:cNvPr id="516" name="Google Shape;516;p60"/>
+          <p:cNvPr id="515" name="Google Shape;515;p60"/>
           <p:cNvSpPr txBox="1"/>
           <p:nvPr>
             <p:ph idx="1" type="body"/>
@@ -32526,7 +32454,7 @@
       </p:sp>
       <p:sp>
         <p:nvSpPr>
-          <p:cNvPr id="517" name="Google Shape;517;p60"/>
+          <p:cNvPr id="516" name="Google Shape;516;p60"/>
           <p:cNvSpPr txBox="1"/>
           <p:nvPr>
             <p:ph idx="2" type="body"/>

--- a/ppt/Souradeep Bera Intern Presentation.pptx
+++ b/ppt/Souradeep Bera Intern Presentation.pptx
@@ -24592,7 +24592,7 @@
             </a:pPr>
             <a:r>
               <a:rPr lang="en-US"/>
-              <a:t>Sip-Client to Java</a:t>
+              <a:t>Sip Client in Java</a:t>
             </a:r>
             <a:endParaRPr/>
           </a:p>
@@ -33046,7 +33046,7 @@
             </a:pPr>
             <a:r>
               <a:rPr lang="en-US" sz="1500"/>
-              <a:t>TypeScript is single threaded and hence does not scale well.</a:t>
+              <a:t>TypeScript is single threaded and hence does not scale well vertically</a:t>
             </a:r>
             <a:endParaRPr sz="1500"/>
           </a:p>
